--- a/03_plots/flowchart_missing_value.pptx
+++ b/03_plots/flowchart_missing_value.pptx
@@ -5,11 +5,12 @@
     <p:sldMasterId id="2147483660" r:id="rId1"/>
   </p:sldMasterIdLst>
   <p:notesMasterIdLst>
-    <p:notesMasterId r:id="rId4"/>
+    <p:notesMasterId r:id="rId5"/>
   </p:notesMasterIdLst>
   <p:sldIdLst>
     <p:sldId id="256" r:id="rId2"/>
     <p:sldId id="257" r:id="rId3"/>
+    <p:sldId id="258" r:id="rId4"/>
   </p:sldIdLst>
   <p:sldSz cx="6858000" cy="12192000"/>
   <p:notesSz cx="6858000" cy="9144000"/>
@@ -210,7 +211,7 @@
           <a:p>
             <a:fld id="{9C3E3A68-306F-4801-9F3B-AA9A63A8F452}" type="datetimeFigureOut">
               <a:rPr lang="fr-FR" smtClean="0"/>
-              <a:t>24/01/2023</a:t>
+              <a:t>15/02/2023</a:t>
             </a:fld>
             <a:endParaRPr lang="fr-FR"/>
           </a:p>
@@ -667,6 +668,93 @@
 </p:notes>
 </file>
 
+<file path=ppt/notesSlides/notesSlide3.xml><?xml version="1.0" encoding="utf-8"?>
+<p:notes xmlns:a="http://schemas.openxmlformats.org/drawingml/2006/main" xmlns:r="http://schemas.openxmlformats.org/officeDocument/2006/relationships" xmlns:p="http://schemas.openxmlformats.org/presentationml/2006/main">
+  <p:cSld>
+    <p:spTree>
+      <p:nvGrpSpPr>
+        <p:cNvPr id="1" name=""/>
+        <p:cNvGrpSpPr/>
+        <p:nvPr/>
+      </p:nvGrpSpPr>
+      <p:grpSpPr>
+        <a:xfrm>
+          <a:off x="0" y="0"/>
+          <a:ext cx="0" cy="0"/>
+          <a:chOff x="0" y="0"/>
+          <a:chExt cx="0" cy="0"/>
+        </a:xfrm>
+      </p:grpSpPr>
+      <p:sp>
+        <p:nvSpPr>
+          <p:cNvPr id="2" name="Espace réservé de l'image des diapositives 1"/>
+          <p:cNvSpPr>
+            <a:spLocks noGrp="1" noRot="1" noChangeAspect="1"/>
+          </p:cNvSpPr>
+          <p:nvPr>
+            <p:ph type="sldImg"/>
+          </p:nvPr>
+        </p:nvSpPr>
+        <p:spPr/>
+      </p:sp>
+      <p:sp>
+        <p:nvSpPr>
+          <p:cNvPr id="3" name="Espace réservé des notes 2"/>
+          <p:cNvSpPr>
+            <a:spLocks noGrp="1"/>
+          </p:cNvSpPr>
+          <p:nvPr>
+            <p:ph type="body" idx="1"/>
+          </p:nvPr>
+        </p:nvSpPr>
+        <p:spPr/>
+        <p:txBody>
+          <a:bodyPr/>
+          <a:lstStyle/>
+          <a:p>
+            <a:r>
+              <a:rPr lang="fr-FR" dirty="0"/>
+              <a:t>Critères d’exclusion post-marital residence </a:t>
+            </a:r>
+          </a:p>
+        </p:txBody>
+      </p:sp>
+      <p:sp>
+        <p:nvSpPr>
+          <p:cNvPr id="4" name="Espace réservé du numéro de diapositive 3"/>
+          <p:cNvSpPr>
+            <a:spLocks noGrp="1"/>
+          </p:cNvSpPr>
+          <p:nvPr>
+            <p:ph type="sldNum" sz="quarter" idx="5"/>
+          </p:nvPr>
+        </p:nvSpPr>
+        <p:spPr/>
+        <p:txBody>
+          <a:bodyPr/>
+          <a:lstStyle/>
+          <a:p>
+            <a:fld id="{6DE8C6DC-CDA0-4632-BAB8-942150148846}" type="slidenum">
+              <a:rPr lang="fr-FR" smtClean="0"/>
+              <a:t>3</a:t>
+            </a:fld>
+            <a:endParaRPr lang="fr-FR"/>
+          </a:p>
+        </p:txBody>
+      </p:sp>
+    </p:spTree>
+    <p:extLst>
+      <p:ext uri="{BB962C8B-B14F-4D97-AF65-F5344CB8AC3E}">
+        <p14:creationId xmlns:p14="http://schemas.microsoft.com/office/powerpoint/2010/main" val="40813074"/>
+      </p:ext>
+    </p:extLst>
+  </p:cSld>
+  <p:clrMapOvr>
+    <a:masterClrMapping/>
+  </p:clrMapOvr>
+</p:notes>
+</file>
+
 <file path=ppt/slideLayouts/slideLayout1.xml><?xml version="1.0" encoding="utf-8"?>
 <p:sldLayout xmlns:a="http://schemas.openxmlformats.org/drawingml/2006/main" xmlns:r="http://schemas.openxmlformats.org/officeDocument/2006/relationships" xmlns:p="http://schemas.openxmlformats.org/presentationml/2006/main" type="title" preserve="1">
   <p:cSld name="Diapositive de titre">
@@ -798,7 +886,7 @@
           <a:p>
             <a:fld id="{7A65143C-55F9-4EC4-BEE9-07A0032A4819}" type="datetimeFigureOut">
               <a:rPr lang="fr-FR" smtClean="0"/>
-              <a:t>24/01/2023</a:t>
+              <a:t>15/02/2023</a:t>
             </a:fld>
             <a:endParaRPr lang="fr-FR"/>
           </a:p>
@@ -968,7 +1056,7 @@
           <a:p>
             <a:fld id="{7A65143C-55F9-4EC4-BEE9-07A0032A4819}" type="datetimeFigureOut">
               <a:rPr lang="fr-FR" smtClean="0"/>
-              <a:t>24/01/2023</a:t>
+              <a:t>15/02/2023</a:t>
             </a:fld>
             <a:endParaRPr lang="fr-FR"/>
           </a:p>
@@ -1148,7 +1236,7 @@
           <a:p>
             <a:fld id="{7A65143C-55F9-4EC4-BEE9-07A0032A4819}" type="datetimeFigureOut">
               <a:rPr lang="fr-FR" smtClean="0"/>
-              <a:t>24/01/2023</a:t>
+              <a:t>15/02/2023</a:t>
             </a:fld>
             <a:endParaRPr lang="fr-FR"/>
           </a:p>
@@ -1318,7 +1406,7 @@
           <a:p>
             <a:fld id="{7A65143C-55F9-4EC4-BEE9-07A0032A4819}" type="datetimeFigureOut">
               <a:rPr lang="fr-FR" smtClean="0"/>
-              <a:t>24/01/2023</a:t>
+              <a:t>15/02/2023</a:t>
             </a:fld>
             <a:endParaRPr lang="fr-FR"/>
           </a:p>
@@ -1562,7 +1650,7 @@
           <a:p>
             <a:fld id="{7A65143C-55F9-4EC4-BEE9-07A0032A4819}" type="datetimeFigureOut">
               <a:rPr lang="fr-FR" smtClean="0"/>
-              <a:t>24/01/2023</a:t>
+              <a:t>15/02/2023</a:t>
             </a:fld>
             <a:endParaRPr lang="fr-FR"/>
           </a:p>
@@ -1794,7 +1882,7 @@
           <a:p>
             <a:fld id="{7A65143C-55F9-4EC4-BEE9-07A0032A4819}" type="datetimeFigureOut">
               <a:rPr lang="fr-FR" smtClean="0"/>
-              <a:t>24/01/2023</a:t>
+              <a:t>15/02/2023</a:t>
             </a:fld>
             <a:endParaRPr lang="fr-FR"/>
           </a:p>
@@ -2161,7 +2249,7 @@
           <a:p>
             <a:fld id="{7A65143C-55F9-4EC4-BEE9-07A0032A4819}" type="datetimeFigureOut">
               <a:rPr lang="fr-FR" smtClean="0"/>
-              <a:t>24/01/2023</a:t>
+              <a:t>15/02/2023</a:t>
             </a:fld>
             <a:endParaRPr lang="fr-FR"/>
           </a:p>
@@ -2279,7 +2367,7 @@
           <a:p>
             <a:fld id="{7A65143C-55F9-4EC4-BEE9-07A0032A4819}" type="datetimeFigureOut">
               <a:rPr lang="fr-FR" smtClean="0"/>
-              <a:t>24/01/2023</a:t>
+              <a:t>15/02/2023</a:t>
             </a:fld>
             <a:endParaRPr lang="fr-FR"/>
           </a:p>
@@ -2374,7 +2462,7 @@
           <a:p>
             <a:fld id="{7A65143C-55F9-4EC4-BEE9-07A0032A4819}" type="datetimeFigureOut">
               <a:rPr lang="fr-FR" smtClean="0"/>
-              <a:t>24/01/2023</a:t>
+              <a:t>15/02/2023</a:t>
             </a:fld>
             <a:endParaRPr lang="fr-FR"/>
           </a:p>
@@ -2651,7 +2739,7 @@
           <a:p>
             <a:fld id="{7A65143C-55F9-4EC4-BEE9-07A0032A4819}" type="datetimeFigureOut">
               <a:rPr lang="fr-FR" smtClean="0"/>
-              <a:t>24/01/2023</a:t>
+              <a:t>15/02/2023</a:t>
             </a:fld>
             <a:endParaRPr lang="fr-FR"/>
           </a:p>
@@ -2908,7 +2996,7 @@
           <a:p>
             <a:fld id="{7A65143C-55F9-4EC4-BEE9-07A0032A4819}" type="datetimeFigureOut">
               <a:rPr lang="fr-FR" smtClean="0"/>
-              <a:t>24/01/2023</a:t>
+              <a:t>15/02/2023</a:t>
             </a:fld>
             <a:endParaRPr lang="fr-FR"/>
           </a:p>
@@ -3121,7 +3209,7 @@
           <a:p>
             <a:fld id="{7A65143C-55F9-4EC4-BEE9-07A0032A4819}" type="datetimeFigureOut">
               <a:rPr lang="fr-FR" smtClean="0"/>
-              <a:t>24/01/2023</a:t>
+              <a:t>15/02/2023</a:t>
             </a:fld>
             <a:endParaRPr lang="fr-FR"/>
           </a:p>
@@ -5608,6 +5696,877 @@
     <p:extLst>
       <p:ext uri="{BB962C8B-B14F-4D97-AF65-F5344CB8AC3E}">
         <p14:creationId xmlns:p14="http://schemas.microsoft.com/office/powerpoint/2010/main" val="764529513"/>
+      </p:ext>
+    </p:extLst>
+  </p:cSld>
+  <p:clrMapOvr>
+    <a:masterClrMapping/>
+  </p:clrMapOvr>
+</p:sld>
+</file>
+
+<file path=ppt/slides/slide3.xml><?xml version="1.0" encoding="utf-8"?>
+<p:sld xmlns:a="http://schemas.openxmlformats.org/drawingml/2006/main" xmlns:r="http://schemas.openxmlformats.org/officeDocument/2006/relationships" xmlns:p="http://schemas.openxmlformats.org/presentationml/2006/main">
+  <p:cSld>
+    <p:spTree>
+      <p:nvGrpSpPr>
+        <p:cNvPr id="1" name=""/>
+        <p:cNvGrpSpPr/>
+        <p:nvPr/>
+      </p:nvGrpSpPr>
+      <p:grpSpPr>
+        <a:xfrm>
+          <a:off x="0" y="0"/>
+          <a:ext cx="0" cy="0"/>
+          <a:chOff x="0" y="0"/>
+          <a:chExt cx="0" cy="0"/>
+        </a:xfrm>
+      </p:grpSpPr>
+      <p:sp>
+        <p:nvSpPr>
+          <p:cNvPr id="4" name="Rectangle 3">
+            <a:extLst>
+              <a:ext uri="{FF2B5EF4-FFF2-40B4-BE49-F238E27FC236}">
+                <a16:creationId xmlns:a16="http://schemas.microsoft.com/office/drawing/2014/main" id="{934D9A10-5A79-4CC6-A887-63EBEE0D4706}"/>
+              </a:ext>
+            </a:extLst>
+          </p:cNvPr>
+          <p:cNvSpPr/>
+          <p:nvPr/>
+        </p:nvSpPr>
+        <p:spPr>
+          <a:xfrm>
+            <a:off x="2439128" y="5523257"/>
+            <a:ext cx="1119468" cy="597554"/>
+          </a:xfrm>
+          <a:prstGeom prst="rect">
+            <a:avLst/>
+          </a:prstGeom>
+          <a:noFill/>
+          <a:ln>
+            <a:solidFill>
+              <a:schemeClr val="tx1"/>
+            </a:solidFill>
+          </a:ln>
+        </p:spPr>
+        <p:style>
+          <a:lnRef idx="2">
+            <a:schemeClr val="accent1">
+              <a:shade val="50000"/>
+            </a:schemeClr>
+          </a:lnRef>
+          <a:fillRef idx="1">
+            <a:schemeClr val="accent1"/>
+          </a:fillRef>
+          <a:effectRef idx="0">
+            <a:schemeClr val="accent1"/>
+          </a:effectRef>
+          <a:fontRef idx="minor">
+            <a:schemeClr val="lt1"/>
+          </a:fontRef>
+        </p:style>
+        <p:txBody>
+          <a:bodyPr rot="0" spcFirstLastPara="0" vertOverflow="overflow" horzOverflow="overflow" vert="horz" wrap="square" lIns="51435" tIns="25718" rIns="51435" bIns="25718" numCol="1" spcCol="0" rtlCol="0" fromWordArt="0" anchor="ctr" anchorCtr="0" forceAA="0" compatLnSpc="1">
+            <a:prstTxWarp prst="textNoShape">
+              <a:avLst/>
+            </a:prstTxWarp>
+            <a:noAutofit/>
+          </a:bodyPr>
+          <a:lstStyle/>
+          <a:p>
+            <a:pPr algn="ctr"/>
+            <a:endParaRPr lang="en-GB" sz="1013">
+              <a:ln w="0"/>
+              <a:solidFill>
+                <a:schemeClr val="tx1"/>
+              </a:solidFill>
+              <a:effectLst>
+                <a:outerShdw blurRad="38100" dist="19050" dir="2700000" algn="tl" rotWithShape="0">
+                  <a:schemeClr val="dk1">
+                    <a:alpha val="40000"/>
+                  </a:schemeClr>
+                </a:outerShdw>
+              </a:effectLst>
+            </a:endParaRPr>
+          </a:p>
+        </p:txBody>
+      </p:sp>
+      <p:sp>
+        <p:nvSpPr>
+          <p:cNvPr id="6" name="ZoneTexte 5">
+            <a:extLst>
+              <a:ext uri="{FF2B5EF4-FFF2-40B4-BE49-F238E27FC236}">
+                <a16:creationId xmlns:a16="http://schemas.microsoft.com/office/drawing/2014/main" id="{C30B1311-A53C-4CAB-9565-FD74CD2224F5}"/>
+              </a:ext>
+            </a:extLst>
+          </p:cNvPr>
+          <p:cNvSpPr txBox="1"/>
+          <p:nvPr/>
+        </p:nvSpPr>
+        <p:spPr>
+          <a:xfrm flipH="1">
+            <a:off x="2488294" y="5631807"/>
+            <a:ext cx="1021136" cy="404085"/>
+          </a:xfrm>
+          <a:prstGeom prst="rect">
+            <a:avLst/>
+          </a:prstGeom>
+          <a:noFill/>
+        </p:spPr>
+        <p:txBody>
+          <a:bodyPr wrap="square" rtlCol="0">
+            <a:spAutoFit/>
+          </a:bodyPr>
+          <a:lstStyle/>
+          <a:p>
+            <a:pPr algn="ctr"/>
+            <a:r>
+              <a:rPr lang="en-GB" sz="1013" dirty="0"/>
+              <a:t>8,897 women interviewed  </a:t>
+            </a:r>
+          </a:p>
+        </p:txBody>
+      </p:sp>
+      <p:cxnSp>
+        <p:nvCxnSpPr>
+          <p:cNvPr id="8" name="Connecteur droit avec flèche 7">
+            <a:extLst>
+              <a:ext uri="{FF2B5EF4-FFF2-40B4-BE49-F238E27FC236}">
+                <a16:creationId xmlns:a16="http://schemas.microsoft.com/office/drawing/2014/main" id="{07297DE2-B812-4ACB-BBBF-AE5FD1CE3FD9}"/>
+              </a:ext>
+            </a:extLst>
+          </p:cNvPr>
+          <p:cNvCxnSpPr>
+            <a:cxnSpLocks/>
+            <a:stCxn id="4" idx="2"/>
+            <a:endCxn id="26" idx="0"/>
+          </p:cNvCxnSpPr>
+          <p:nvPr/>
+        </p:nvCxnSpPr>
+        <p:spPr>
+          <a:xfrm>
+            <a:off x="2998862" y="6120811"/>
+            <a:ext cx="0" cy="878790"/>
+          </a:xfrm>
+          <a:prstGeom prst="straightConnector1">
+            <a:avLst/>
+          </a:prstGeom>
+          <a:ln>
+            <a:tailEnd type="triangle"/>
+          </a:ln>
+        </p:spPr>
+        <p:style>
+          <a:lnRef idx="1">
+            <a:schemeClr val="dk1"/>
+          </a:lnRef>
+          <a:fillRef idx="0">
+            <a:schemeClr val="dk1"/>
+          </a:fillRef>
+          <a:effectRef idx="0">
+            <a:schemeClr val="dk1"/>
+          </a:effectRef>
+          <a:fontRef idx="minor">
+            <a:schemeClr val="tx1"/>
+          </a:fontRef>
+        </p:style>
+      </p:cxnSp>
+      <p:cxnSp>
+        <p:nvCxnSpPr>
+          <p:cNvPr id="23" name="Connecteur droit avec flèche 22">
+            <a:extLst>
+              <a:ext uri="{FF2B5EF4-FFF2-40B4-BE49-F238E27FC236}">
+                <a16:creationId xmlns:a16="http://schemas.microsoft.com/office/drawing/2014/main" id="{7A7D7518-0BFA-44C1-9F11-C708D3888083}"/>
+              </a:ext>
+            </a:extLst>
+          </p:cNvPr>
+          <p:cNvCxnSpPr>
+            <a:cxnSpLocks/>
+          </p:cNvCxnSpPr>
+          <p:nvPr/>
+        </p:nvCxnSpPr>
+        <p:spPr>
+          <a:xfrm>
+            <a:off x="2998862" y="6603463"/>
+            <a:ext cx="1250576" cy="0"/>
+          </a:xfrm>
+          <a:prstGeom prst="straightConnector1">
+            <a:avLst/>
+          </a:prstGeom>
+          <a:ln>
+            <a:tailEnd type="triangle"/>
+          </a:ln>
+        </p:spPr>
+        <p:style>
+          <a:lnRef idx="1">
+            <a:schemeClr val="dk1"/>
+          </a:lnRef>
+          <a:fillRef idx="0">
+            <a:schemeClr val="dk1"/>
+          </a:fillRef>
+          <a:effectRef idx="0">
+            <a:schemeClr val="dk1"/>
+          </a:effectRef>
+          <a:fontRef idx="minor">
+            <a:schemeClr val="tx1"/>
+          </a:fontRef>
+        </p:style>
+      </p:cxnSp>
+      <p:sp>
+        <p:nvSpPr>
+          <p:cNvPr id="24" name="ZoneTexte 23">
+            <a:extLst>
+              <a:ext uri="{FF2B5EF4-FFF2-40B4-BE49-F238E27FC236}">
+                <a16:creationId xmlns:a16="http://schemas.microsoft.com/office/drawing/2014/main" id="{59DCEDAD-7F2A-416B-AF1E-AF23F81AD5EE}"/>
+              </a:ext>
+            </a:extLst>
+          </p:cNvPr>
+          <p:cNvSpPr txBox="1"/>
+          <p:nvPr/>
+        </p:nvSpPr>
+        <p:spPr>
+          <a:xfrm flipH="1">
+            <a:off x="4249439" y="6169954"/>
+            <a:ext cx="1412206" cy="715837"/>
+          </a:xfrm>
+          <a:prstGeom prst="rect">
+            <a:avLst/>
+          </a:prstGeom>
+          <a:noFill/>
+        </p:spPr>
+        <p:txBody>
+          <a:bodyPr wrap="square" rtlCol="0">
+            <a:spAutoFit/>
+          </a:bodyPr>
+          <a:lstStyle/>
+          <a:p>
+            <a:pPr algn="ctr"/>
+            <a:r>
+              <a:rPr lang="en-GB" sz="1013" dirty="0"/>
+              <a:t>2,142 women excluded, gender of the house owner missing</a:t>
+            </a:r>
+          </a:p>
+        </p:txBody>
+      </p:sp>
+      <p:sp>
+        <p:nvSpPr>
+          <p:cNvPr id="25" name="Rectangle 24">
+            <a:extLst>
+              <a:ext uri="{FF2B5EF4-FFF2-40B4-BE49-F238E27FC236}">
+                <a16:creationId xmlns:a16="http://schemas.microsoft.com/office/drawing/2014/main" id="{0807D31C-B7DC-4401-8C16-671E64B1D28D}"/>
+              </a:ext>
+            </a:extLst>
+          </p:cNvPr>
+          <p:cNvSpPr/>
+          <p:nvPr/>
+        </p:nvSpPr>
+        <p:spPr>
+          <a:xfrm>
+            <a:off x="4249439" y="6127256"/>
+            <a:ext cx="1412206" cy="749622"/>
+          </a:xfrm>
+          <a:prstGeom prst="rect">
+            <a:avLst/>
+          </a:prstGeom>
+          <a:noFill/>
+          <a:ln>
+            <a:solidFill>
+              <a:schemeClr val="tx1"/>
+            </a:solidFill>
+          </a:ln>
+        </p:spPr>
+        <p:style>
+          <a:lnRef idx="2">
+            <a:schemeClr val="accent1">
+              <a:shade val="50000"/>
+            </a:schemeClr>
+          </a:lnRef>
+          <a:fillRef idx="1">
+            <a:schemeClr val="accent1"/>
+          </a:fillRef>
+          <a:effectRef idx="0">
+            <a:schemeClr val="accent1"/>
+          </a:effectRef>
+          <a:fontRef idx="minor">
+            <a:schemeClr val="lt1"/>
+          </a:fontRef>
+        </p:style>
+        <p:txBody>
+          <a:bodyPr rot="0" spcFirstLastPara="0" vertOverflow="overflow" horzOverflow="overflow" vert="horz" wrap="square" lIns="51435" tIns="25718" rIns="51435" bIns="25718" numCol="1" spcCol="0" rtlCol="0" fromWordArt="0" anchor="ctr" anchorCtr="0" forceAA="0" compatLnSpc="1">
+            <a:prstTxWarp prst="textNoShape">
+              <a:avLst/>
+            </a:prstTxWarp>
+            <a:noAutofit/>
+          </a:bodyPr>
+          <a:lstStyle/>
+          <a:p>
+            <a:pPr algn="ctr"/>
+            <a:endParaRPr lang="en-GB" sz="1013">
+              <a:ln w="0"/>
+              <a:solidFill>
+                <a:schemeClr val="tx1"/>
+              </a:solidFill>
+              <a:effectLst>
+                <a:outerShdw blurRad="38100" dist="19050" dir="2700000" algn="tl" rotWithShape="0">
+                  <a:schemeClr val="dk1">
+                    <a:alpha val="40000"/>
+                  </a:schemeClr>
+                </a:outerShdw>
+              </a:effectLst>
+            </a:endParaRPr>
+          </a:p>
+        </p:txBody>
+      </p:sp>
+      <p:sp>
+        <p:nvSpPr>
+          <p:cNvPr id="26" name="Rectangle 25">
+            <a:extLst>
+              <a:ext uri="{FF2B5EF4-FFF2-40B4-BE49-F238E27FC236}">
+                <a16:creationId xmlns:a16="http://schemas.microsoft.com/office/drawing/2014/main" id="{D8B1A0D6-7913-4B75-9C1D-2E6222073E36}"/>
+              </a:ext>
+            </a:extLst>
+          </p:cNvPr>
+          <p:cNvSpPr/>
+          <p:nvPr/>
+        </p:nvSpPr>
+        <p:spPr>
+          <a:xfrm>
+            <a:off x="2439128" y="6999601"/>
+            <a:ext cx="1119468" cy="431880"/>
+          </a:xfrm>
+          <a:prstGeom prst="rect">
+            <a:avLst/>
+          </a:prstGeom>
+          <a:noFill/>
+          <a:ln>
+            <a:solidFill>
+              <a:schemeClr val="tx1"/>
+            </a:solidFill>
+          </a:ln>
+        </p:spPr>
+        <p:style>
+          <a:lnRef idx="2">
+            <a:schemeClr val="accent1">
+              <a:shade val="50000"/>
+            </a:schemeClr>
+          </a:lnRef>
+          <a:fillRef idx="1">
+            <a:schemeClr val="accent1"/>
+          </a:fillRef>
+          <a:effectRef idx="0">
+            <a:schemeClr val="accent1"/>
+          </a:effectRef>
+          <a:fontRef idx="minor">
+            <a:schemeClr val="lt1"/>
+          </a:fontRef>
+        </p:style>
+        <p:txBody>
+          <a:bodyPr rot="0" spcFirstLastPara="0" vertOverflow="overflow" horzOverflow="overflow" vert="horz" wrap="square" lIns="51435" tIns="25718" rIns="51435" bIns="25718" numCol="1" spcCol="0" rtlCol="0" fromWordArt="0" anchor="ctr" anchorCtr="0" forceAA="0" compatLnSpc="1">
+            <a:prstTxWarp prst="textNoShape">
+              <a:avLst/>
+            </a:prstTxWarp>
+            <a:noAutofit/>
+          </a:bodyPr>
+          <a:lstStyle/>
+          <a:p>
+            <a:pPr algn="ctr"/>
+            <a:endParaRPr lang="en-GB" sz="1013">
+              <a:ln w="0"/>
+              <a:solidFill>
+                <a:schemeClr val="tx1"/>
+              </a:solidFill>
+              <a:effectLst>
+                <a:outerShdw blurRad="38100" dist="19050" dir="2700000" algn="tl" rotWithShape="0">
+                  <a:schemeClr val="dk1">
+                    <a:alpha val="40000"/>
+                  </a:schemeClr>
+                </a:outerShdw>
+              </a:effectLst>
+            </a:endParaRPr>
+          </a:p>
+        </p:txBody>
+      </p:sp>
+      <p:sp>
+        <p:nvSpPr>
+          <p:cNvPr id="27" name="ZoneTexte 26">
+            <a:extLst>
+              <a:ext uri="{FF2B5EF4-FFF2-40B4-BE49-F238E27FC236}">
+                <a16:creationId xmlns:a16="http://schemas.microsoft.com/office/drawing/2014/main" id="{FF8D8F79-A7F7-4E92-A60D-326C3F61ED21}"/>
+              </a:ext>
+            </a:extLst>
+          </p:cNvPr>
+          <p:cNvSpPr txBox="1"/>
+          <p:nvPr/>
+        </p:nvSpPr>
+        <p:spPr>
+          <a:xfrm flipH="1">
+            <a:off x="2488294" y="7084520"/>
+            <a:ext cx="1021136" cy="248209"/>
+          </a:xfrm>
+          <a:prstGeom prst="rect">
+            <a:avLst/>
+          </a:prstGeom>
+          <a:noFill/>
+        </p:spPr>
+        <p:txBody>
+          <a:bodyPr wrap="square" rtlCol="0">
+            <a:spAutoFit/>
+          </a:bodyPr>
+          <a:lstStyle/>
+          <a:p>
+            <a:pPr algn="ctr"/>
+            <a:r>
+              <a:rPr lang="en-GB" sz="1013" dirty="0"/>
+              <a:t>6,755 women</a:t>
+            </a:r>
+          </a:p>
+        </p:txBody>
+      </p:sp>
+      <p:cxnSp>
+        <p:nvCxnSpPr>
+          <p:cNvPr id="31" name="Connecteur : en angle 30">
+            <a:extLst>
+              <a:ext uri="{FF2B5EF4-FFF2-40B4-BE49-F238E27FC236}">
+                <a16:creationId xmlns:a16="http://schemas.microsoft.com/office/drawing/2014/main" id="{02E28CEF-642D-44F8-9A01-F2E329A30D13}"/>
+              </a:ext>
+            </a:extLst>
+          </p:cNvPr>
+          <p:cNvCxnSpPr>
+            <a:cxnSpLocks/>
+          </p:cNvCxnSpPr>
+          <p:nvPr/>
+        </p:nvCxnSpPr>
+        <p:spPr>
+          <a:xfrm rot="10800000" flipV="1">
+            <a:off x="1630681" y="7215540"/>
+            <a:ext cx="783865" cy="572099"/>
+          </a:xfrm>
+          <a:prstGeom prst="bentConnector3">
+            <a:avLst>
+              <a:gd name="adj1" fmla="val 99577"/>
+            </a:avLst>
+          </a:prstGeom>
+          <a:ln>
+            <a:tailEnd type="triangle"/>
+          </a:ln>
+        </p:spPr>
+        <p:style>
+          <a:lnRef idx="1">
+            <a:schemeClr val="dk1"/>
+          </a:lnRef>
+          <a:fillRef idx="0">
+            <a:schemeClr val="dk1"/>
+          </a:fillRef>
+          <a:effectRef idx="0">
+            <a:schemeClr val="dk1"/>
+          </a:effectRef>
+          <a:fontRef idx="minor">
+            <a:schemeClr val="tx1"/>
+          </a:fontRef>
+        </p:style>
+      </p:cxnSp>
+      <p:cxnSp>
+        <p:nvCxnSpPr>
+          <p:cNvPr id="35" name="Connecteur : en angle 34">
+            <a:extLst>
+              <a:ext uri="{FF2B5EF4-FFF2-40B4-BE49-F238E27FC236}">
+                <a16:creationId xmlns:a16="http://schemas.microsoft.com/office/drawing/2014/main" id="{524C0B1E-09D9-4E3F-95D9-A8573C138407}"/>
+              </a:ext>
+            </a:extLst>
+          </p:cNvPr>
+          <p:cNvCxnSpPr>
+            <a:cxnSpLocks/>
+          </p:cNvCxnSpPr>
+          <p:nvPr/>
+        </p:nvCxnSpPr>
+        <p:spPr>
+          <a:xfrm rot="10800000" flipH="1" flipV="1">
+            <a:off x="3558596" y="7194267"/>
+            <a:ext cx="783865" cy="572099"/>
+          </a:xfrm>
+          <a:prstGeom prst="bentConnector3">
+            <a:avLst>
+              <a:gd name="adj1" fmla="val 99577"/>
+            </a:avLst>
+          </a:prstGeom>
+          <a:ln>
+            <a:tailEnd type="triangle"/>
+          </a:ln>
+        </p:spPr>
+        <p:style>
+          <a:lnRef idx="1">
+            <a:schemeClr val="dk1"/>
+          </a:lnRef>
+          <a:fillRef idx="0">
+            <a:schemeClr val="dk1"/>
+          </a:fillRef>
+          <a:effectRef idx="0">
+            <a:schemeClr val="dk1"/>
+          </a:effectRef>
+          <a:fontRef idx="minor">
+            <a:schemeClr val="tx1"/>
+          </a:fontRef>
+        </p:style>
+      </p:cxnSp>
+      <p:sp>
+        <p:nvSpPr>
+          <p:cNvPr id="40" name="ZoneTexte 39">
+            <a:extLst>
+              <a:ext uri="{FF2B5EF4-FFF2-40B4-BE49-F238E27FC236}">
+                <a16:creationId xmlns:a16="http://schemas.microsoft.com/office/drawing/2014/main" id="{347268FC-CCC6-461B-8F66-AA3E9BE3C44D}"/>
+              </a:ext>
+            </a:extLst>
+          </p:cNvPr>
+          <p:cNvSpPr txBox="1"/>
+          <p:nvPr/>
+        </p:nvSpPr>
+        <p:spPr>
+          <a:xfrm flipH="1">
+            <a:off x="3954088" y="7730219"/>
+            <a:ext cx="776746" cy="1495218"/>
+          </a:xfrm>
+          <a:prstGeom prst="rect">
+            <a:avLst/>
+          </a:prstGeom>
+          <a:noFill/>
+        </p:spPr>
+        <p:txBody>
+          <a:bodyPr wrap="square" rtlCol="0">
+            <a:spAutoFit/>
+          </a:bodyPr>
+          <a:lstStyle/>
+          <a:p>
+            <a:pPr algn="ctr"/>
+            <a:r>
+              <a:rPr lang="en-GB" sz="1013" dirty="0"/>
+              <a:t>1061 women living in households where male members own the house </a:t>
+            </a:r>
+          </a:p>
+        </p:txBody>
+      </p:sp>
+      <p:sp>
+        <p:nvSpPr>
+          <p:cNvPr id="42" name="ZoneTexte 41">
+            <a:extLst>
+              <a:ext uri="{FF2B5EF4-FFF2-40B4-BE49-F238E27FC236}">
+                <a16:creationId xmlns:a16="http://schemas.microsoft.com/office/drawing/2014/main" id="{C47CE854-F9AF-41CB-8F47-C85967797830}"/>
+              </a:ext>
+            </a:extLst>
+          </p:cNvPr>
+          <p:cNvSpPr txBox="1"/>
+          <p:nvPr/>
+        </p:nvSpPr>
+        <p:spPr>
+          <a:xfrm flipH="1">
+            <a:off x="1226264" y="7897734"/>
+            <a:ext cx="910316" cy="1183466"/>
+          </a:xfrm>
+          <a:prstGeom prst="rect">
+            <a:avLst/>
+          </a:prstGeom>
+          <a:noFill/>
+        </p:spPr>
+        <p:txBody>
+          <a:bodyPr wrap="square" rtlCol="0">
+            <a:spAutoFit/>
+          </a:bodyPr>
+          <a:lstStyle/>
+          <a:p>
+            <a:pPr algn="ctr"/>
+            <a:r>
+              <a:rPr lang="en-GB" sz="1013" dirty="0"/>
+              <a:t>4127 women living in households where female members own the house </a:t>
+            </a:r>
+          </a:p>
+        </p:txBody>
+      </p:sp>
+      <p:cxnSp>
+        <p:nvCxnSpPr>
+          <p:cNvPr id="28" name="Connecteur droit avec flèche 27">
+            <a:extLst>
+              <a:ext uri="{FF2B5EF4-FFF2-40B4-BE49-F238E27FC236}">
+                <a16:creationId xmlns:a16="http://schemas.microsoft.com/office/drawing/2014/main" id="{45E5B186-C639-4A5F-BB15-10FBBCB531FC}"/>
+              </a:ext>
+            </a:extLst>
+          </p:cNvPr>
+          <p:cNvCxnSpPr>
+            <a:cxnSpLocks/>
+          </p:cNvCxnSpPr>
+          <p:nvPr/>
+        </p:nvCxnSpPr>
+        <p:spPr>
+          <a:xfrm>
+            <a:off x="3043064" y="7431481"/>
+            <a:ext cx="4726" cy="334886"/>
+          </a:xfrm>
+          <a:prstGeom prst="straightConnector1">
+            <a:avLst/>
+          </a:prstGeom>
+          <a:ln>
+            <a:tailEnd type="triangle"/>
+          </a:ln>
+        </p:spPr>
+        <p:style>
+          <a:lnRef idx="1">
+            <a:schemeClr val="dk1"/>
+          </a:lnRef>
+          <a:fillRef idx="0">
+            <a:schemeClr val="dk1"/>
+          </a:fillRef>
+          <a:effectRef idx="0">
+            <a:schemeClr val="dk1"/>
+          </a:effectRef>
+          <a:fontRef idx="minor">
+            <a:schemeClr val="tx1"/>
+          </a:fontRef>
+        </p:style>
+      </p:cxnSp>
+      <p:sp>
+        <p:nvSpPr>
+          <p:cNvPr id="29" name="ZoneTexte 28">
+            <a:extLst>
+              <a:ext uri="{FF2B5EF4-FFF2-40B4-BE49-F238E27FC236}">
+                <a16:creationId xmlns:a16="http://schemas.microsoft.com/office/drawing/2014/main" id="{EBDB3D77-8DD5-4A4D-9A39-FC42AFBD0E7F}"/>
+              </a:ext>
+            </a:extLst>
+          </p:cNvPr>
+          <p:cNvSpPr txBox="1"/>
+          <p:nvPr/>
+        </p:nvSpPr>
+        <p:spPr>
+          <a:xfrm flipH="1">
+            <a:off x="2559093" y="7741858"/>
+            <a:ext cx="915243" cy="1495218"/>
+          </a:xfrm>
+          <a:prstGeom prst="rect">
+            <a:avLst/>
+          </a:prstGeom>
+          <a:noFill/>
+        </p:spPr>
+        <p:txBody>
+          <a:bodyPr wrap="square" rtlCol="0">
+            <a:spAutoFit/>
+          </a:bodyPr>
+          <a:lstStyle/>
+          <a:p>
+            <a:pPr algn="ctr"/>
+            <a:r>
+              <a:rPr lang="en-GB" sz="1013" dirty="0"/>
+              <a:t>1567 women living in households where both male and female members own the house </a:t>
+            </a:r>
+          </a:p>
+        </p:txBody>
+      </p:sp>
+      <p:sp>
+        <p:nvSpPr>
+          <p:cNvPr id="30" name="Rectangle 29">
+            <a:extLst>
+              <a:ext uri="{FF2B5EF4-FFF2-40B4-BE49-F238E27FC236}">
+                <a16:creationId xmlns:a16="http://schemas.microsoft.com/office/drawing/2014/main" id="{3004FC52-8CDA-4AB0-AABF-3E826943A16D}"/>
+              </a:ext>
+            </a:extLst>
+          </p:cNvPr>
+          <p:cNvSpPr/>
+          <p:nvPr/>
+        </p:nvSpPr>
+        <p:spPr>
+          <a:xfrm>
+            <a:off x="2526409" y="7766366"/>
+            <a:ext cx="991650" cy="1422925"/>
+          </a:xfrm>
+          <a:prstGeom prst="rect">
+            <a:avLst/>
+          </a:prstGeom>
+          <a:noFill/>
+          <a:ln>
+            <a:solidFill>
+              <a:schemeClr val="tx1"/>
+            </a:solidFill>
+          </a:ln>
+        </p:spPr>
+        <p:style>
+          <a:lnRef idx="2">
+            <a:schemeClr val="accent1">
+              <a:shade val="50000"/>
+            </a:schemeClr>
+          </a:lnRef>
+          <a:fillRef idx="1">
+            <a:schemeClr val="accent1"/>
+          </a:fillRef>
+          <a:effectRef idx="0">
+            <a:schemeClr val="accent1"/>
+          </a:effectRef>
+          <a:fontRef idx="minor">
+            <a:schemeClr val="lt1"/>
+          </a:fontRef>
+        </p:style>
+        <p:txBody>
+          <a:bodyPr rot="0" spcFirstLastPara="0" vertOverflow="overflow" horzOverflow="overflow" vert="horz" wrap="square" lIns="51435" tIns="25718" rIns="51435" bIns="25718" numCol="1" spcCol="0" rtlCol="0" fromWordArt="0" anchor="ctr" anchorCtr="0" forceAA="0" compatLnSpc="1">
+            <a:prstTxWarp prst="textNoShape">
+              <a:avLst/>
+            </a:prstTxWarp>
+            <a:noAutofit/>
+          </a:bodyPr>
+          <a:lstStyle/>
+          <a:p>
+            <a:pPr algn="ctr"/>
+            <a:endParaRPr lang="en-GB" sz="1013">
+              <a:ln w="0"/>
+              <a:solidFill>
+                <a:schemeClr val="tx1"/>
+              </a:solidFill>
+              <a:effectLst>
+                <a:outerShdw blurRad="38100" dist="19050" dir="2700000" algn="tl" rotWithShape="0">
+                  <a:schemeClr val="dk1">
+                    <a:alpha val="40000"/>
+                  </a:schemeClr>
+                </a:outerShdw>
+              </a:effectLst>
+            </a:endParaRPr>
+          </a:p>
+        </p:txBody>
+      </p:sp>
+      <p:sp>
+        <p:nvSpPr>
+          <p:cNvPr id="32" name="Rectangle 31">
+            <a:extLst>
+              <a:ext uri="{FF2B5EF4-FFF2-40B4-BE49-F238E27FC236}">
+                <a16:creationId xmlns:a16="http://schemas.microsoft.com/office/drawing/2014/main" id="{635049AF-CD48-4323-9BB1-DDAC3532D168}"/>
+              </a:ext>
+            </a:extLst>
+          </p:cNvPr>
+          <p:cNvSpPr/>
+          <p:nvPr/>
+        </p:nvSpPr>
+        <p:spPr>
+          <a:xfrm>
+            <a:off x="1185597" y="7789618"/>
+            <a:ext cx="991650" cy="1422925"/>
+          </a:xfrm>
+          <a:prstGeom prst="rect">
+            <a:avLst/>
+          </a:prstGeom>
+          <a:noFill/>
+          <a:ln>
+            <a:solidFill>
+              <a:schemeClr val="tx1"/>
+            </a:solidFill>
+          </a:ln>
+        </p:spPr>
+        <p:style>
+          <a:lnRef idx="2">
+            <a:schemeClr val="accent1">
+              <a:shade val="50000"/>
+            </a:schemeClr>
+          </a:lnRef>
+          <a:fillRef idx="1">
+            <a:schemeClr val="accent1"/>
+          </a:fillRef>
+          <a:effectRef idx="0">
+            <a:schemeClr val="accent1"/>
+          </a:effectRef>
+          <a:fontRef idx="minor">
+            <a:schemeClr val="lt1"/>
+          </a:fontRef>
+        </p:style>
+        <p:txBody>
+          <a:bodyPr rot="0" spcFirstLastPara="0" vertOverflow="overflow" horzOverflow="overflow" vert="horz" wrap="square" lIns="51435" tIns="25718" rIns="51435" bIns="25718" numCol="1" spcCol="0" rtlCol="0" fromWordArt="0" anchor="ctr" anchorCtr="0" forceAA="0" compatLnSpc="1">
+            <a:prstTxWarp prst="textNoShape">
+              <a:avLst/>
+            </a:prstTxWarp>
+            <a:noAutofit/>
+          </a:bodyPr>
+          <a:lstStyle/>
+          <a:p>
+            <a:pPr algn="ctr"/>
+            <a:endParaRPr lang="en-GB" sz="1013">
+              <a:ln w="0"/>
+              <a:solidFill>
+                <a:schemeClr val="tx1"/>
+              </a:solidFill>
+              <a:effectLst>
+                <a:outerShdw blurRad="38100" dist="19050" dir="2700000" algn="tl" rotWithShape="0">
+                  <a:schemeClr val="dk1">
+                    <a:alpha val="40000"/>
+                  </a:schemeClr>
+                </a:outerShdw>
+              </a:effectLst>
+            </a:endParaRPr>
+          </a:p>
+        </p:txBody>
+      </p:sp>
+      <p:sp>
+        <p:nvSpPr>
+          <p:cNvPr id="33" name="Rectangle 32">
+            <a:extLst>
+              <a:ext uri="{FF2B5EF4-FFF2-40B4-BE49-F238E27FC236}">
+                <a16:creationId xmlns:a16="http://schemas.microsoft.com/office/drawing/2014/main" id="{099AB328-4D6A-4193-8A4C-780A63FFAC43}"/>
+              </a:ext>
+            </a:extLst>
+          </p:cNvPr>
+          <p:cNvSpPr/>
+          <p:nvPr/>
+        </p:nvSpPr>
+        <p:spPr>
+          <a:xfrm>
+            <a:off x="3848996" y="7759814"/>
+            <a:ext cx="991650" cy="1422925"/>
+          </a:xfrm>
+          <a:prstGeom prst="rect">
+            <a:avLst/>
+          </a:prstGeom>
+          <a:noFill/>
+          <a:ln>
+            <a:solidFill>
+              <a:schemeClr val="tx1"/>
+            </a:solidFill>
+          </a:ln>
+        </p:spPr>
+        <p:style>
+          <a:lnRef idx="2">
+            <a:schemeClr val="accent1">
+              <a:shade val="50000"/>
+            </a:schemeClr>
+          </a:lnRef>
+          <a:fillRef idx="1">
+            <a:schemeClr val="accent1"/>
+          </a:fillRef>
+          <a:effectRef idx="0">
+            <a:schemeClr val="accent1"/>
+          </a:effectRef>
+          <a:fontRef idx="minor">
+            <a:schemeClr val="lt1"/>
+          </a:fontRef>
+        </p:style>
+        <p:txBody>
+          <a:bodyPr rot="0" spcFirstLastPara="0" vertOverflow="overflow" horzOverflow="overflow" vert="horz" wrap="square" lIns="51435" tIns="25718" rIns="51435" bIns="25718" numCol="1" spcCol="0" rtlCol="0" fromWordArt="0" anchor="ctr" anchorCtr="0" forceAA="0" compatLnSpc="1">
+            <a:prstTxWarp prst="textNoShape">
+              <a:avLst/>
+            </a:prstTxWarp>
+            <a:noAutofit/>
+          </a:bodyPr>
+          <a:lstStyle/>
+          <a:p>
+            <a:pPr algn="ctr"/>
+            <a:endParaRPr lang="en-GB" sz="1013">
+              <a:ln w="0"/>
+              <a:solidFill>
+                <a:schemeClr val="tx1"/>
+              </a:solidFill>
+              <a:effectLst>
+                <a:outerShdw blurRad="38100" dist="19050" dir="2700000" algn="tl" rotWithShape="0">
+                  <a:schemeClr val="dk1">
+                    <a:alpha val="40000"/>
+                  </a:schemeClr>
+                </a:outerShdw>
+              </a:effectLst>
+            </a:endParaRPr>
+          </a:p>
+        </p:txBody>
+      </p:sp>
+    </p:spTree>
+    <p:extLst>
+      <p:ext uri="{BB962C8B-B14F-4D97-AF65-F5344CB8AC3E}">
+        <p14:creationId xmlns:p14="http://schemas.microsoft.com/office/powerpoint/2010/main" val="3564466047"/>
       </p:ext>
     </p:extLst>
   </p:cSld>
